--- a/SI/SI_Fig6.pptx
+++ b/SI/SI_Fig6.pptx
@@ -245,7 +245,7 @@
           <a:p>
             <a:fld id="{1ABFC340-4BEE-ED44-826C-0ED8C20F9E24}" type="datetimeFigureOut">
               <a:rPr lang="en-US" smtClean="0"/>
-              <a:t>4/16/24</a:t>
+              <a:t>6/25/24</a:t>
             </a:fld>
             <a:endParaRPr lang="en-US"/>
           </a:p>
@@ -415,7 +415,7 @@
           <a:p>
             <a:fld id="{1ABFC340-4BEE-ED44-826C-0ED8C20F9E24}" type="datetimeFigureOut">
               <a:rPr lang="en-US" smtClean="0"/>
-              <a:t>4/16/24</a:t>
+              <a:t>6/25/24</a:t>
             </a:fld>
             <a:endParaRPr lang="en-US"/>
           </a:p>
@@ -595,7 +595,7 @@
           <a:p>
             <a:fld id="{1ABFC340-4BEE-ED44-826C-0ED8C20F9E24}" type="datetimeFigureOut">
               <a:rPr lang="en-US" smtClean="0"/>
-              <a:t>4/16/24</a:t>
+              <a:t>6/25/24</a:t>
             </a:fld>
             <a:endParaRPr lang="en-US"/>
           </a:p>
@@ -765,7 +765,7 @@
           <a:p>
             <a:fld id="{1ABFC340-4BEE-ED44-826C-0ED8C20F9E24}" type="datetimeFigureOut">
               <a:rPr lang="en-US" smtClean="0"/>
-              <a:t>4/16/24</a:t>
+              <a:t>6/25/24</a:t>
             </a:fld>
             <a:endParaRPr lang="en-US"/>
           </a:p>
@@ -1009,7 +1009,7 @@
           <a:p>
             <a:fld id="{1ABFC340-4BEE-ED44-826C-0ED8C20F9E24}" type="datetimeFigureOut">
               <a:rPr lang="en-US" smtClean="0"/>
-              <a:t>4/16/24</a:t>
+              <a:t>6/25/24</a:t>
             </a:fld>
             <a:endParaRPr lang="en-US"/>
           </a:p>
@@ -1241,7 +1241,7 @@
           <a:p>
             <a:fld id="{1ABFC340-4BEE-ED44-826C-0ED8C20F9E24}" type="datetimeFigureOut">
               <a:rPr lang="en-US" smtClean="0"/>
-              <a:t>4/16/24</a:t>
+              <a:t>6/25/24</a:t>
             </a:fld>
             <a:endParaRPr lang="en-US"/>
           </a:p>
@@ -1608,7 +1608,7 @@
           <a:p>
             <a:fld id="{1ABFC340-4BEE-ED44-826C-0ED8C20F9E24}" type="datetimeFigureOut">
               <a:rPr lang="en-US" smtClean="0"/>
-              <a:t>4/16/24</a:t>
+              <a:t>6/25/24</a:t>
             </a:fld>
             <a:endParaRPr lang="en-US"/>
           </a:p>
@@ -1726,7 +1726,7 @@
           <a:p>
             <a:fld id="{1ABFC340-4BEE-ED44-826C-0ED8C20F9E24}" type="datetimeFigureOut">
               <a:rPr lang="en-US" smtClean="0"/>
-              <a:t>4/16/24</a:t>
+              <a:t>6/25/24</a:t>
             </a:fld>
             <a:endParaRPr lang="en-US"/>
           </a:p>
@@ -1821,7 +1821,7 @@
           <a:p>
             <a:fld id="{1ABFC340-4BEE-ED44-826C-0ED8C20F9E24}" type="datetimeFigureOut">
               <a:rPr lang="en-US" smtClean="0"/>
-              <a:t>4/16/24</a:t>
+              <a:t>6/25/24</a:t>
             </a:fld>
             <a:endParaRPr lang="en-US"/>
           </a:p>
@@ -2098,7 +2098,7 @@
           <a:p>
             <a:fld id="{1ABFC340-4BEE-ED44-826C-0ED8C20F9E24}" type="datetimeFigureOut">
               <a:rPr lang="en-US" smtClean="0"/>
-              <a:t>4/16/24</a:t>
+              <a:t>6/25/24</a:t>
             </a:fld>
             <a:endParaRPr lang="en-US"/>
           </a:p>
@@ -2355,7 +2355,7 @@
           <a:p>
             <a:fld id="{1ABFC340-4BEE-ED44-826C-0ED8C20F9E24}" type="datetimeFigureOut">
               <a:rPr lang="en-US" smtClean="0"/>
-              <a:t>4/16/24</a:t>
+              <a:t>6/25/24</a:t>
             </a:fld>
             <a:endParaRPr lang="en-US"/>
           </a:p>
@@ -2568,7 +2568,7 @@
           <a:p>
             <a:fld id="{1ABFC340-4BEE-ED44-826C-0ED8C20F9E24}" type="datetimeFigureOut">
               <a:rPr lang="en-US" smtClean="0"/>
-              <a:t>4/16/24</a:t>
+              <a:t>6/25/24</a:t>
             </a:fld>
             <a:endParaRPr lang="en-US"/>
           </a:p>
@@ -2975,10 +2975,10 @@
       </p:grpSpPr>
       <p:pic>
         <p:nvPicPr>
-          <p:cNvPr id="2213" name="Graphique 2212">
+          <p:cNvPr id="10" name="Graphique 9">
             <a:extLst>
               <a:ext uri="{FF2B5EF4-FFF2-40B4-BE49-F238E27FC236}">
-                <a16:creationId xmlns:a16="http://schemas.microsoft.com/office/drawing/2014/main" id="{48FAACB4-6EEF-6DFD-5EA4-CDB3E74600E9}"/>
+                <a16:creationId xmlns:a16="http://schemas.microsoft.com/office/drawing/2014/main" id="{C1F775DA-8F35-9651-CE20-A717054A0717}"/>
               </a:ext>
             </a:extLst>
           </p:cNvPr>
@@ -2995,13 +2995,13 @@
               </a:ext>
             </a:extLst>
           </a:blip>
-          <a:srcRect l="5949" r="8854"/>
+          <a:srcRect l="12941" r="8725"/>
           <a:stretch/>
         </p:blipFill>
         <p:spPr>
           <a:xfrm>
-            <a:off x="114648" y="3725021"/>
-            <a:ext cx="6628703" cy="608553"/>
+            <a:off x="664552" y="1523425"/>
+            <a:ext cx="6091763" cy="601485"/>
           </a:xfrm>
           <a:prstGeom prst="rect">
             <a:avLst/>
@@ -3010,10 +3010,10 @@
       </p:pic>
       <p:pic>
         <p:nvPicPr>
-          <p:cNvPr id="2214" name="Graphique 2213">
+          <p:cNvPr id="15" name="Graphique 14">
             <a:extLst>
               <a:ext uri="{FF2B5EF4-FFF2-40B4-BE49-F238E27FC236}">
-                <a16:creationId xmlns:a16="http://schemas.microsoft.com/office/drawing/2014/main" id="{C8147272-7379-84B2-4BBB-8F1BDBA7D41D}"/>
+                <a16:creationId xmlns:a16="http://schemas.microsoft.com/office/drawing/2014/main" id="{FB70B66C-F788-DF8E-184F-E2CF2E156DA2}"/>
               </a:ext>
             </a:extLst>
           </p:cNvPr>
@@ -3030,13 +3030,13 @@
               </a:ext>
             </a:extLst>
           </a:blip>
-          <a:srcRect l="5949" r="8854"/>
+          <a:srcRect l="13243" r="8882"/>
           <a:stretch/>
         </p:blipFill>
         <p:spPr>
           <a:xfrm>
-            <a:off x="114648" y="4559827"/>
-            <a:ext cx="6628703" cy="608553"/>
+            <a:off x="680630" y="3748772"/>
+            <a:ext cx="6062721" cy="619661"/>
           </a:xfrm>
           <a:prstGeom prst="rect">
             <a:avLst/>
@@ -3045,10 +3045,10 @@
       </p:pic>
       <p:pic>
         <p:nvPicPr>
-          <p:cNvPr id="2215" name="Graphique 2214">
+          <p:cNvPr id="18" name="Graphique 17">
             <a:extLst>
               <a:ext uri="{FF2B5EF4-FFF2-40B4-BE49-F238E27FC236}">
-                <a16:creationId xmlns:a16="http://schemas.microsoft.com/office/drawing/2014/main" id="{57C9ADE6-7D6B-27A0-8BE5-7ADE05326D4A}"/>
+                <a16:creationId xmlns:a16="http://schemas.microsoft.com/office/drawing/2014/main" id="{CA37E94F-54BF-755A-739D-C3B9283977D9}"/>
               </a:ext>
             </a:extLst>
           </p:cNvPr>
@@ -3065,13 +3065,13 @@
               </a:ext>
             </a:extLst>
           </a:blip>
-          <a:srcRect l="5949" r="8854"/>
+          <a:srcRect l="13004" r="8716"/>
           <a:stretch/>
         </p:blipFill>
         <p:spPr>
           <a:xfrm>
-            <a:off x="114648" y="2316924"/>
-            <a:ext cx="6628703" cy="608553"/>
+            <a:off x="662000" y="4556137"/>
+            <a:ext cx="6094315" cy="608553"/>
           </a:xfrm>
           <a:prstGeom prst="rect">
             <a:avLst/>
@@ -3080,10 +3080,10 @@
       </p:pic>
       <p:pic>
         <p:nvPicPr>
-          <p:cNvPr id="2216" name="Graphique 2215">
+          <p:cNvPr id="21" name="Graphique 20">
             <a:extLst>
               <a:ext uri="{FF2B5EF4-FFF2-40B4-BE49-F238E27FC236}">
-                <a16:creationId xmlns:a16="http://schemas.microsoft.com/office/drawing/2014/main" id="{5875AA25-F06D-4675-2BF7-4ED7739D31CC}"/>
+                <a16:creationId xmlns:a16="http://schemas.microsoft.com/office/drawing/2014/main" id="{56ADDF98-CC06-D9B8-BC63-4768CE108C3F}"/>
               </a:ext>
             </a:extLst>
           </p:cNvPr>
@@ -3100,13 +3100,13 @@
               </a:ext>
             </a:extLst>
           </a:blip>
-          <a:srcRect l="5949" r="8854"/>
+          <a:srcRect l="12650" r="8992"/>
           <a:stretch/>
         </p:blipFill>
         <p:spPr>
           <a:xfrm>
-            <a:off x="114648" y="1522395"/>
-            <a:ext cx="6628704" cy="608553"/>
+            <a:off x="643028" y="2254277"/>
+            <a:ext cx="6100323" cy="679628"/>
           </a:xfrm>
           <a:prstGeom prst="rect">
             <a:avLst/>
@@ -11765,8 +11765,8 @@
         </p:nvSpPr>
         <p:spPr>
           <a:xfrm rot="16200000">
-            <a:off x="194951" y="1054081"/>
-            <a:ext cx="623889" cy="261610"/>
+            <a:off x="198157" y="1054081"/>
+            <a:ext cx="617477" cy="261610"/>
           </a:xfrm>
           <a:prstGeom prst="rect">
             <a:avLst/>
@@ -11786,7 +11786,7 @@
                 <a:ea typeface="Helvetica Neue Light" panose="02000403000000020004" pitchFamily="2" charset="0"/>
                 <a:cs typeface="Helvetica Neue" panose="02000503000000020004" pitchFamily="2" charset="0"/>
               </a:rPr>
-              <a:t>Pattern</a:t>
+              <a:t>pattern</a:t>
             </a:r>
             <a:endParaRPr lang="en-US" sz="1100" dirty="0">
               <a:latin typeface="Helvetica Neue Light" panose="02000403000000020004" pitchFamily="2" charset="0"/>
@@ -12245,8 +12245,8 @@
         </p:nvSpPr>
         <p:spPr>
           <a:xfrm>
-            <a:off x="701731" y="917556"/>
-            <a:ext cx="263214" cy="261610"/>
+            <a:off x="549447" y="917556"/>
+            <a:ext cx="567784" cy="261610"/>
           </a:xfrm>
           <a:prstGeom prst="rect">
             <a:avLst/>
@@ -12266,7 +12266,7 @@
                 <a:ea typeface="Helvetica Neue Light" panose="02000403000000020004" pitchFamily="2" charset="0"/>
                 <a:cs typeface="Helvetica Neue" panose="02000503000000020004" pitchFamily="2" charset="0"/>
               </a:rPr>
-              <a:t>1</a:t>
+              <a:t>1 right</a:t>
             </a:r>
             <a:endParaRPr lang="en-US" sz="1100" dirty="0">
               <a:latin typeface="Helvetica Neue Light" panose="02000403000000020004" pitchFamily="2" charset="0"/>
@@ -12289,8 +12289,8 @@
         </p:nvSpPr>
         <p:spPr>
           <a:xfrm>
-            <a:off x="1475652" y="917556"/>
-            <a:ext cx="263214" cy="261610"/>
+            <a:off x="1323368" y="917556"/>
+            <a:ext cx="567784" cy="261610"/>
           </a:xfrm>
           <a:prstGeom prst="rect">
             <a:avLst/>
@@ -12310,7 +12310,7 @@
                 <a:ea typeface="Helvetica Neue Light" panose="02000403000000020004" pitchFamily="2" charset="0"/>
                 <a:cs typeface="Helvetica Neue" panose="02000503000000020004" pitchFamily="2" charset="0"/>
               </a:rPr>
-              <a:t>2</a:t>
+              <a:t>2 right</a:t>
             </a:r>
             <a:endParaRPr lang="en-US" sz="1100" dirty="0">
               <a:latin typeface="Helvetica Neue Light" panose="02000403000000020004" pitchFamily="2" charset="0"/>
@@ -12333,8 +12333,8 @@
         </p:nvSpPr>
         <p:spPr>
           <a:xfrm>
-            <a:off x="2207504" y="917556"/>
-            <a:ext cx="263214" cy="261610"/>
+            <a:off x="2099302" y="917556"/>
+            <a:ext cx="479618" cy="261610"/>
           </a:xfrm>
           <a:prstGeom prst="rect">
             <a:avLst/>
@@ -12354,7 +12354,7 @@
                 <a:ea typeface="Helvetica Neue Light" panose="02000403000000020004" pitchFamily="2" charset="0"/>
                 <a:cs typeface="Helvetica Neue" panose="02000503000000020004" pitchFamily="2" charset="0"/>
               </a:rPr>
-              <a:t>1</a:t>
+              <a:t>1 left</a:t>
             </a:r>
             <a:endParaRPr lang="en-US" sz="1100" dirty="0">
               <a:latin typeface="Helvetica Neue Light" panose="02000403000000020004" pitchFamily="2" charset="0"/>
@@ -12377,8 +12377,8 @@
         </p:nvSpPr>
         <p:spPr>
           <a:xfrm>
-            <a:off x="3001670" y="917556"/>
-            <a:ext cx="263214" cy="261610"/>
+            <a:off x="2893468" y="917556"/>
+            <a:ext cx="479618" cy="261610"/>
           </a:xfrm>
           <a:prstGeom prst="rect">
             <a:avLst/>
@@ -12398,7 +12398,7 @@
                 <a:ea typeface="Helvetica Neue Light" panose="02000403000000020004" pitchFamily="2" charset="0"/>
                 <a:cs typeface="Helvetica Neue" panose="02000503000000020004" pitchFamily="2" charset="0"/>
               </a:rPr>
-              <a:t>2</a:t>
+              <a:t>2 left</a:t>
             </a:r>
             <a:endParaRPr lang="en-US" sz="1100" dirty="0">
               <a:latin typeface="Helvetica Neue Light" panose="02000403000000020004" pitchFamily="2" charset="0"/>
@@ -12421,8 +12421,8 @@
         </p:nvSpPr>
         <p:spPr>
           <a:xfrm>
-            <a:off x="3751603" y="917556"/>
-            <a:ext cx="263214" cy="261610"/>
+            <a:off x="3599320" y="917556"/>
+            <a:ext cx="567784" cy="261610"/>
           </a:xfrm>
           <a:prstGeom prst="rect">
             <a:avLst/>
@@ -12442,7 +12442,7 @@
                 <a:ea typeface="Helvetica Neue Light" panose="02000403000000020004" pitchFamily="2" charset="0"/>
                 <a:cs typeface="Helvetica Neue" panose="02000503000000020004" pitchFamily="2" charset="0"/>
               </a:rPr>
-              <a:t>1</a:t>
+              <a:t>1 right</a:t>
             </a:r>
             <a:endParaRPr lang="en-US" sz="1100" dirty="0">
               <a:latin typeface="Helvetica Neue Light" panose="02000403000000020004" pitchFamily="2" charset="0"/>
@@ -12465,8 +12465,8 @@
         </p:nvSpPr>
         <p:spPr>
           <a:xfrm>
-            <a:off x="4525524" y="917556"/>
-            <a:ext cx="263214" cy="261610"/>
+            <a:off x="4373240" y="917556"/>
+            <a:ext cx="567784" cy="261610"/>
           </a:xfrm>
           <a:prstGeom prst="rect">
             <a:avLst/>
@@ -12486,7 +12486,7 @@
                 <a:ea typeface="Helvetica Neue Light" panose="02000403000000020004" pitchFamily="2" charset="0"/>
                 <a:cs typeface="Helvetica Neue" panose="02000503000000020004" pitchFamily="2" charset="0"/>
               </a:rPr>
-              <a:t>2</a:t>
+              <a:t>2 right</a:t>
             </a:r>
             <a:endParaRPr lang="en-US" sz="1100" dirty="0">
               <a:latin typeface="Helvetica Neue Light" panose="02000403000000020004" pitchFamily="2" charset="0"/>
@@ -12509,8 +12509,8 @@
         </p:nvSpPr>
         <p:spPr>
           <a:xfrm>
-            <a:off x="5257376" y="917556"/>
-            <a:ext cx="263214" cy="261610"/>
+            <a:off x="5149174" y="917556"/>
+            <a:ext cx="479618" cy="261610"/>
           </a:xfrm>
           <a:prstGeom prst="rect">
             <a:avLst/>
@@ -12530,7 +12530,7 @@
                 <a:ea typeface="Helvetica Neue Light" panose="02000403000000020004" pitchFamily="2" charset="0"/>
                 <a:cs typeface="Helvetica Neue" panose="02000503000000020004" pitchFamily="2" charset="0"/>
               </a:rPr>
-              <a:t>1</a:t>
+              <a:t>1 left</a:t>
             </a:r>
             <a:endParaRPr lang="en-US" sz="1100" dirty="0">
               <a:latin typeface="Helvetica Neue Light" panose="02000403000000020004" pitchFamily="2" charset="0"/>
@@ -12553,8 +12553,8 @@
         </p:nvSpPr>
         <p:spPr>
           <a:xfrm>
-            <a:off x="6051542" y="917556"/>
-            <a:ext cx="263214" cy="261610"/>
+            <a:off x="5943340" y="917556"/>
+            <a:ext cx="479618" cy="261610"/>
           </a:xfrm>
           <a:prstGeom prst="rect">
             <a:avLst/>
@@ -12574,577 +12574,9 @@
                 <a:ea typeface="Helvetica Neue Light" panose="02000403000000020004" pitchFamily="2" charset="0"/>
                 <a:cs typeface="Helvetica Neue" panose="02000503000000020004" pitchFamily="2" charset="0"/>
               </a:rPr>
-              <a:t>2</a:t>
+              <a:t>2 left</a:t>
             </a:r>
             <a:endParaRPr lang="en-US" sz="1100" dirty="0">
-              <a:latin typeface="Helvetica Neue Light" panose="02000403000000020004" pitchFamily="2" charset="0"/>
-              <a:ea typeface="Helvetica Neue Light" panose="02000403000000020004" pitchFamily="2" charset="0"/>
-            </a:endParaRPr>
-          </a:p>
-        </p:txBody>
-      </p:sp>
-      <p:sp>
-        <p:nvSpPr>
-          <p:cNvPr id="2378" name="ZoneTexte 2377">
-            <a:extLst>
-              <a:ext uri="{FF2B5EF4-FFF2-40B4-BE49-F238E27FC236}">
-                <a16:creationId xmlns:a16="http://schemas.microsoft.com/office/drawing/2014/main" id="{BB6DE58C-0C98-ABD0-8EAB-6D56D061C02F}"/>
-              </a:ext>
-            </a:extLst>
-          </p:cNvPr>
-          <p:cNvSpPr txBox="1"/>
-          <p:nvPr/>
-        </p:nvSpPr>
-        <p:spPr>
-          <a:xfrm rot="16200000">
-            <a:off x="307621" y="1539337"/>
-            <a:ext cx="409086" cy="246221"/>
-          </a:xfrm>
-          <a:prstGeom prst="rect">
-            <a:avLst/>
-          </a:prstGeom>
-          <a:noFill/>
-        </p:spPr>
-        <p:txBody>
-          <a:bodyPr wrap="none" rtlCol="0">
-            <a:spAutoFit/>
-          </a:bodyPr>
-          <a:lstStyle/>
-          <a:p>
-            <a:pPr algn="ctr"/>
-            <a:r>
-              <a:rPr lang="en-US" sz="1000" dirty="0">
-                <a:latin typeface="Helvetica Neue Light" panose="02000403000000020004" pitchFamily="2" charset="0"/>
-                <a:ea typeface="Helvetica Neue Light" panose="02000403000000020004" pitchFamily="2" charset="0"/>
-                <a:cs typeface="Helvetica Neue" panose="02000503000000020004" pitchFamily="2" charset="0"/>
-              </a:rPr>
-              <a:t>RF1</a:t>
-            </a:r>
-            <a:endParaRPr lang="en-US" sz="1000" dirty="0">
-              <a:latin typeface="Helvetica Neue Light" panose="02000403000000020004" pitchFamily="2" charset="0"/>
-              <a:ea typeface="Helvetica Neue Light" panose="02000403000000020004" pitchFamily="2" charset="0"/>
-            </a:endParaRPr>
-          </a:p>
-        </p:txBody>
-      </p:sp>
-      <p:sp>
-        <p:nvSpPr>
-          <p:cNvPr id="2379" name="ZoneTexte 2378">
-            <a:extLst>
-              <a:ext uri="{FF2B5EF4-FFF2-40B4-BE49-F238E27FC236}">
-                <a16:creationId xmlns:a16="http://schemas.microsoft.com/office/drawing/2014/main" id="{957EA0B2-2089-7F6A-8B58-124CBE562486}"/>
-              </a:ext>
-            </a:extLst>
-          </p:cNvPr>
-          <p:cNvSpPr txBox="1"/>
-          <p:nvPr/>
-        </p:nvSpPr>
-        <p:spPr>
-          <a:xfrm rot="16200000">
-            <a:off x="310166" y="1849169"/>
-            <a:ext cx="409086" cy="246221"/>
-          </a:xfrm>
-          <a:prstGeom prst="rect">
-            <a:avLst/>
-          </a:prstGeom>
-          <a:noFill/>
-        </p:spPr>
-        <p:txBody>
-          <a:bodyPr wrap="none" rtlCol="0">
-            <a:spAutoFit/>
-          </a:bodyPr>
-          <a:lstStyle/>
-          <a:p>
-            <a:pPr algn="ctr"/>
-            <a:r>
-              <a:rPr lang="en-US" sz="1000" dirty="0">
-                <a:latin typeface="Helvetica Neue Light" panose="02000403000000020004" pitchFamily="2" charset="0"/>
-                <a:ea typeface="Helvetica Neue Light" panose="02000403000000020004" pitchFamily="2" charset="0"/>
-                <a:cs typeface="Helvetica Neue" panose="02000503000000020004" pitchFamily="2" charset="0"/>
-              </a:rPr>
-              <a:t>RF2</a:t>
-            </a:r>
-            <a:endParaRPr lang="en-US" sz="1000" dirty="0">
-              <a:latin typeface="Helvetica Neue Light" panose="02000403000000020004" pitchFamily="2" charset="0"/>
-              <a:ea typeface="Helvetica Neue Light" panose="02000403000000020004" pitchFamily="2" charset="0"/>
-            </a:endParaRPr>
-          </a:p>
-        </p:txBody>
-      </p:sp>
-      <p:sp>
-        <p:nvSpPr>
-          <p:cNvPr id="2380" name="Losange 2379">
-            <a:extLst>
-              <a:ext uri="{FF2B5EF4-FFF2-40B4-BE49-F238E27FC236}">
-                <a16:creationId xmlns:a16="http://schemas.microsoft.com/office/drawing/2014/main" id="{847A42F6-6E94-9ED2-347A-D34E938C0BC8}"/>
-              </a:ext>
-            </a:extLst>
-          </p:cNvPr>
-          <p:cNvSpPr/>
-          <p:nvPr/>
-        </p:nvSpPr>
-        <p:spPr>
-          <a:xfrm>
-            <a:off x="198075" y="1701806"/>
-            <a:ext cx="145623" cy="236582"/>
-          </a:xfrm>
-          <a:prstGeom prst="diamond">
-            <a:avLst/>
-          </a:prstGeom>
-          <a:solidFill>
-            <a:srgbClr val="009193"/>
-          </a:solidFill>
-          <a:ln>
-            <a:solidFill>
-              <a:srgbClr val="009193"/>
-            </a:solidFill>
-          </a:ln>
-        </p:spPr>
-        <p:style>
-          <a:lnRef idx="2">
-            <a:schemeClr val="accent1">
-              <a:shade val="15000"/>
-            </a:schemeClr>
-          </a:lnRef>
-          <a:fillRef idx="1">
-            <a:schemeClr val="accent1"/>
-          </a:fillRef>
-          <a:effectRef idx="0">
-            <a:schemeClr val="accent1"/>
-          </a:effectRef>
-          <a:fontRef idx="minor">
-            <a:schemeClr val="lt1"/>
-          </a:fontRef>
-        </p:style>
-        <p:txBody>
-          <a:bodyPr rtlCol="0" anchor="ctr"/>
-          <a:lstStyle/>
-          <a:p>
-            <a:pPr algn="ctr"/>
-            <a:endParaRPr lang="en-US"/>
-          </a:p>
-        </p:txBody>
-      </p:sp>
-      <p:sp>
-        <p:nvSpPr>
-          <p:cNvPr id="2381" name="Losange 2380">
-            <a:extLst>
-              <a:ext uri="{FF2B5EF4-FFF2-40B4-BE49-F238E27FC236}">
-                <a16:creationId xmlns:a16="http://schemas.microsoft.com/office/drawing/2014/main" id="{56D21CEC-9C93-783E-657E-AE312A155A6D}"/>
-              </a:ext>
-            </a:extLst>
-          </p:cNvPr>
-          <p:cNvSpPr/>
-          <p:nvPr/>
-        </p:nvSpPr>
-        <p:spPr>
-          <a:xfrm>
-            <a:off x="198074" y="2439761"/>
-            <a:ext cx="145623" cy="236582"/>
-          </a:xfrm>
-          <a:prstGeom prst="diamond">
-            <a:avLst/>
-          </a:prstGeom>
-          <a:solidFill>
-            <a:srgbClr val="C593F2"/>
-          </a:solidFill>
-          <a:ln>
-            <a:solidFill>
-              <a:srgbClr val="C593F2"/>
-            </a:solidFill>
-          </a:ln>
-        </p:spPr>
-        <p:style>
-          <a:lnRef idx="2">
-            <a:schemeClr val="accent1">
-              <a:shade val="15000"/>
-            </a:schemeClr>
-          </a:lnRef>
-          <a:fillRef idx="1">
-            <a:schemeClr val="accent1"/>
-          </a:fillRef>
-          <a:effectRef idx="0">
-            <a:schemeClr val="accent1"/>
-          </a:effectRef>
-          <a:fontRef idx="minor">
-            <a:schemeClr val="lt1"/>
-          </a:fontRef>
-        </p:style>
-        <p:txBody>
-          <a:bodyPr rtlCol="0" anchor="ctr"/>
-          <a:lstStyle/>
-          <a:p>
-            <a:pPr algn="ctr"/>
-            <a:endParaRPr lang="en-US"/>
-          </a:p>
-        </p:txBody>
-      </p:sp>
-      <p:sp>
-        <p:nvSpPr>
-          <p:cNvPr id="2382" name="ZoneTexte 2381">
-            <a:extLst>
-              <a:ext uri="{FF2B5EF4-FFF2-40B4-BE49-F238E27FC236}">
-                <a16:creationId xmlns:a16="http://schemas.microsoft.com/office/drawing/2014/main" id="{690404AE-0316-B4C6-F0A9-9DC27B86055A}"/>
-              </a:ext>
-            </a:extLst>
-          </p:cNvPr>
-          <p:cNvSpPr txBox="1"/>
-          <p:nvPr/>
-        </p:nvSpPr>
-        <p:spPr>
-          <a:xfrm rot="16200000">
-            <a:off x="312829" y="2317670"/>
-            <a:ext cx="409086" cy="246221"/>
-          </a:xfrm>
-          <a:prstGeom prst="rect">
-            <a:avLst/>
-          </a:prstGeom>
-          <a:noFill/>
-        </p:spPr>
-        <p:txBody>
-          <a:bodyPr wrap="none" rtlCol="0">
-            <a:spAutoFit/>
-          </a:bodyPr>
-          <a:lstStyle/>
-          <a:p>
-            <a:pPr algn="ctr"/>
-            <a:r>
-              <a:rPr lang="en-US" sz="1000" dirty="0">
-                <a:latin typeface="Helvetica Neue Light" panose="02000403000000020004" pitchFamily="2" charset="0"/>
-                <a:ea typeface="Helvetica Neue Light" panose="02000403000000020004" pitchFamily="2" charset="0"/>
-                <a:cs typeface="Helvetica Neue" panose="02000503000000020004" pitchFamily="2" charset="0"/>
-              </a:rPr>
-              <a:t>RF1</a:t>
-            </a:r>
-            <a:endParaRPr lang="en-US" sz="1000" dirty="0">
-              <a:latin typeface="Helvetica Neue Light" panose="02000403000000020004" pitchFamily="2" charset="0"/>
-              <a:ea typeface="Helvetica Neue Light" panose="02000403000000020004" pitchFamily="2" charset="0"/>
-            </a:endParaRPr>
-          </a:p>
-        </p:txBody>
-      </p:sp>
-      <p:sp>
-        <p:nvSpPr>
-          <p:cNvPr id="2383" name="ZoneTexte 2382">
-            <a:extLst>
-              <a:ext uri="{FF2B5EF4-FFF2-40B4-BE49-F238E27FC236}">
-                <a16:creationId xmlns:a16="http://schemas.microsoft.com/office/drawing/2014/main" id="{469ADAEF-7E6F-907E-06D9-CE6A5B2B68EE}"/>
-              </a:ext>
-            </a:extLst>
-          </p:cNvPr>
-          <p:cNvSpPr txBox="1"/>
-          <p:nvPr/>
-        </p:nvSpPr>
-        <p:spPr>
-          <a:xfrm rot="16200000">
-            <a:off x="315374" y="2627502"/>
-            <a:ext cx="409086" cy="246221"/>
-          </a:xfrm>
-          <a:prstGeom prst="rect">
-            <a:avLst/>
-          </a:prstGeom>
-          <a:noFill/>
-        </p:spPr>
-        <p:txBody>
-          <a:bodyPr wrap="none" rtlCol="0">
-            <a:spAutoFit/>
-          </a:bodyPr>
-          <a:lstStyle/>
-          <a:p>
-            <a:pPr algn="ctr"/>
-            <a:r>
-              <a:rPr lang="en-US" sz="1000" dirty="0">
-                <a:latin typeface="Helvetica Neue Light" panose="02000403000000020004" pitchFamily="2" charset="0"/>
-                <a:ea typeface="Helvetica Neue Light" panose="02000403000000020004" pitchFamily="2" charset="0"/>
-                <a:cs typeface="Helvetica Neue" panose="02000503000000020004" pitchFamily="2" charset="0"/>
-              </a:rPr>
-              <a:t>RF2</a:t>
-            </a:r>
-            <a:endParaRPr lang="en-US" sz="1000" dirty="0">
-              <a:latin typeface="Helvetica Neue Light" panose="02000403000000020004" pitchFamily="2" charset="0"/>
-              <a:ea typeface="Helvetica Neue Light" panose="02000403000000020004" pitchFamily="2" charset="0"/>
-            </a:endParaRPr>
-          </a:p>
-        </p:txBody>
-      </p:sp>
-      <p:sp>
-        <p:nvSpPr>
-          <p:cNvPr id="2384" name="ZoneTexte 2383">
-            <a:extLst>
-              <a:ext uri="{FF2B5EF4-FFF2-40B4-BE49-F238E27FC236}">
-                <a16:creationId xmlns:a16="http://schemas.microsoft.com/office/drawing/2014/main" id="{010A85A3-1B02-9A93-8D34-5EBFB8C6302B}"/>
-              </a:ext>
-            </a:extLst>
-          </p:cNvPr>
-          <p:cNvSpPr txBox="1"/>
-          <p:nvPr/>
-        </p:nvSpPr>
-        <p:spPr>
-          <a:xfrm rot="16200000">
-            <a:off x="299861" y="3754541"/>
-            <a:ext cx="409086" cy="246221"/>
-          </a:xfrm>
-          <a:prstGeom prst="rect">
-            <a:avLst/>
-          </a:prstGeom>
-          <a:noFill/>
-        </p:spPr>
-        <p:txBody>
-          <a:bodyPr wrap="none" rtlCol="0">
-            <a:spAutoFit/>
-          </a:bodyPr>
-          <a:lstStyle/>
-          <a:p>
-            <a:pPr algn="ctr"/>
-            <a:r>
-              <a:rPr lang="en-US" sz="1000" dirty="0">
-                <a:latin typeface="Helvetica Neue Light" panose="02000403000000020004" pitchFamily="2" charset="0"/>
-                <a:ea typeface="Helvetica Neue Light" panose="02000403000000020004" pitchFamily="2" charset="0"/>
-                <a:cs typeface="Helvetica Neue" panose="02000503000000020004" pitchFamily="2" charset="0"/>
-              </a:rPr>
-              <a:t>RF1</a:t>
-            </a:r>
-            <a:endParaRPr lang="en-US" sz="1000" dirty="0">
-              <a:latin typeface="Helvetica Neue Light" panose="02000403000000020004" pitchFamily="2" charset="0"/>
-              <a:ea typeface="Helvetica Neue Light" panose="02000403000000020004" pitchFamily="2" charset="0"/>
-            </a:endParaRPr>
-          </a:p>
-        </p:txBody>
-      </p:sp>
-      <p:sp>
-        <p:nvSpPr>
-          <p:cNvPr id="2385" name="ZoneTexte 2384">
-            <a:extLst>
-              <a:ext uri="{FF2B5EF4-FFF2-40B4-BE49-F238E27FC236}">
-                <a16:creationId xmlns:a16="http://schemas.microsoft.com/office/drawing/2014/main" id="{B4E60782-8AB2-B73B-EAF8-1D4CFBC0C256}"/>
-              </a:ext>
-            </a:extLst>
-          </p:cNvPr>
-          <p:cNvSpPr txBox="1"/>
-          <p:nvPr/>
-        </p:nvSpPr>
-        <p:spPr>
-          <a:xfrm rot="16200000">
-            <a:off x="279964" y="4064373"/>
-            <a:ext cx="453971" cy="246221"/>
-          </a:xfrm>
-          <a:prstGeom prst="rect">
-            <a:avLst/>
-          </a:prstGeom>
-          <a:noFill/>
-        </p:spPr>
-        <p:txBody>
-          <a:bodyPr wrap="none" rtlCol="0">
-            <a:spAutoFit/>
-          </a:bodyPr>
-          <a:lstStyle/>
-          <a:p>
-            <a:pPr algn="ctr"/>
-            <a:r>
-              <a:rPr lang="en-US" sz="1000" dirty="0">
-                <a:latin typeface="Helvetica Neue Light" panose="02000403000000020004" pitchFamily="2" charset="0"/>
-                <a:ea typeface="Helvetica Neue Light" panose="02000403000000020004" pitchFamily="2" charset="0"/>
-                <a:cs typeface="Helvetica Neue" panose="02000503000000020004" pitchFamily="2" charset="0"/>
-              </a:rPr>
-              <a:t>RF2*</a:t>
-            </a:r>
-            <a:endParaRPr lang="en-US" sz="1000" dirty="0">
-              <a:latin typeface="Helvetica Neue Light" panose="02000403000000020004" pitchFamily="2" charset="0"/>
-              <a:ea typeface="Helvetica Neue Light" panose="02000403000000020004" pitchFamily="2" charset="0"/>
-            </a:endParaRPr>
-          </a:p>
-        </p:txBody>
-      </p:sp>
-      <p:sp>
-        <p:nvSpPr>
-          <p:cNvPr id="2386" name="Losange 2385">
-            <a:extLst>
-              <a:ext uri="{FF2B5EF4-FFF2-40B4-BE49-F238E27FC236}">
-                <a16:creationId xmlns:a16="http://schemas.microsoft.com/office/drawing/2014/main" id="{2EE5368D-490B-5778-7F53-F88D857BF07B}"/>
-              </a:ext>
-            </a:extLst>
-          </p:cNvPr>
-          <p:cNvSpPr/>
-          <p:nvPr/>
-        </p:nvSpPr>
-        <p:spPr>
-          <a:xfrm>
-            <a:off x="190315" y="3917010"/>
-            <a:ext cx="145623" cy="236582"/>
-          </a:xfrm>
-          <a:prstGeom prst="diamond">
-            <a:avLst/>
-          </a:prstGeom>
-          <a:solidFill>
-            <a:srgbClr val="009193"/>
-          </a:solidFill>
-          <a:ln>
-            <a:solidFill>
-              <a:srgbClr val="009193"/>
-            </a:solidFill>
-          </a:ln>
-        </p:spPr>
-        <p:style>
-          <a:lnRef idx="2">
-            <a:schemeClr val="accent1">
-              <a:shade val="15000"/>
-            </a:schemeClr>
-          </a:lnRef>
-          <a:fillRef idx="1">
-            <a:schemeClr val="accent1"/>
-          </a:fillRef>
-          <a:effectRef idx="0">
-            <a:schemeClr val="accent1"/>
-          </a:effectRef>
-          <a:fontRef idx="minor">
-            <a:schemeClr val="lt1"/>
-          </a:fontRef>
-        </p:style>
-        <p:txBody>
-          <a:bodyPr rtlCol="0" anchor="ctr"/>
-          <a:lstStyle/>
-          <a:p>
-            <a:pPr algn="ctr"/>
-            <a:endParaRPr lang="en-US"/>
-          </a:p>
-        </p:txBody>
-      </p:sp>
-      <p:sp>
-        <p:nvSpPr>
-          <p:cNvPr id="2387" name="Losange 2386">
-            <a:extLst>
-              <a:ext uri="{FF2B5EF4-FFF2-40B4-BE49-F238E27FC236}">
-                <a16:creationId xmlns:a16="http://schemas.microsoft.com/office/drawing/2014/main" id="{FF8F3F36-37B1-EDED-6433-90932CDAD259}"/>
-              </a:ext>
-            </a:extLst>
-          </p:cNvPr>
-          <p:cNvSpPr/>
-          <p:nvPr/>
-        </p:nvSpPr>
-        <p:spPr>
-          <a:xfrm>
-            <a:off x="190314" y="4654965"/>
-            <a:ext cx="145623" cy="236582"/>
-          </a:xfrm>
-          <a:prstGeom prst="diamond">
-            <a:avLst/>
-          </a:prstGeom>
-          <a:solidFill>
-            <a:srgbClr val="C593F2"/>
-          </a:solidFill>
-          <a:ln>
-            <a:solidFill>
-              <a:srgbClr val="C593F2"/>
-            </a:solidFill>
-          </a:ln>
-        </p:spPr>
-        <p:style>
-          <a:lnRef idx="2">
-            <a:schemeClr val="accent1">
-              <a:shade val="15000"/>
-            </a:schemeClr>
-          </a:lnRef>
-          <a:fillRef idx="1">
-            <a:schemeClr val="accent1"/>
-          </a:fillRef>
-          <a:effectRef idx="0">
-            <a:schemeClr val="accent1"/>
-          </a:effectRef>
-          <a:fontRef idx="minor">
-            <a:schemeClr val="lt1"/>
-          </a:fontRef>
-        </p:style>
-        <p:txBody>
-          <a:bodyPr rtlCol="0" anchor="ctr"/>
-          <a:lstStyle/>
-          <a:p>
-            <a:pPr algn="ctr"/>
-            <a:endParaRPr lang="en-US"/>
-          </a:p>
-        </p:txBody>
-      </p:sp>
-      <p:sp>
-        <p:nvSpPr>
-          <p:cNvPr id="2388" name="ZoneTexte 2387">
-            <a:extLst>
-              <a:ext uri="{FF2B5EF4-FFF2-40B4-BE49-F238E27FC236}">
-                <a16:creationId xmlns:a16="http://schemas.microsoft.com/office/drawing/2014/main" id="{4B5E9EE7-FD2D-A0C5-C5A3-2F6C954BDE01}"/>
-              </a:ext>
-            </a:extLst>
-          </p:cNvPr>
-          <p:cNvSpPr txBox="1"/>
-          <p:nvPr/>
-        </p:nvSpPr>
-        <p:spPr>
-          <a:xfrm rot="16200000">
-            <a:off x="305069" y="4532874"/>
-            <a:ext cx="409086" cy="246221"/>
-          </a:xfrm>
-          <a:prstGeom prst="rect">
-            <a:avLst/>
-          </a:prstGeom>
-          <a:noFill/>
-        </p:spPr>
-        <p:txBody>
-          <a:bodyPr wrap="none" rtlCol="0">
-            <a:spAutoFit/>
-          </a:bodyPr>
-          <a:lstStyle/>
-          <a:p>
-            <a:pPr algn="ctr"/>
-            <a:r>
-              <a:rPr lang="en-US" sz="1000" dirty="0">
-                <a:latin typeface="Helvetica Neue Light" panose="02000403000000020004" pitchFamily="2" charset="0"/>
-                <a:ea typeface="Helvetica Neue Light" panose="02000403000000020004" pitchFamily="2" charset="0"/>
-                <a:cs typeface="Helvetica Neue" panose="02000503000000020004" pitchFamily="2" charset="0"/>
-              </a:rPr>
-              <a:t>RF1</a:t>
-            </a:r>
-            <a:endParaRPr lang="en-US" sz="1000" dirty="0">
-              <a:latin typeface="Helvetica Neue Light" panose="02000403000000020004" pitchFamily="2" charset="0"/>
-              <a:ea typeface="Helvetica Neue Light" panose="02000403000000020004" pitchFamily="2" charset="0"/>
-            </a:endParaRPr>
-          </a:p>
-        </p:txBody>
-      </p:sp>
-      <p:sp>
-        <p:nvSpPr>
-          <p:cNvPr id="2389" name="ZoneTexte 2388">
-            <a:extLst>
-              <a:ext uri="{FF2B5EF4-FFF2-40B4-BE49-F238E27FC236}">
-                <a16:creationId xmlns:a16="http://schemas.microsoft.com/office/drawing/2014/main" id="{310D71C7-8180-9955-9D6A-0335D6B57340}"/>
-              </a:ext>
-            </a:extLst>
-          </p:cNvPr>
-          <p:cNvSpPr txBox="1"/>
-          <p:nvPr/>
-        </p:nvSpPr>
-        <p:spPr>
-          <a:xfrm rot="16200000">
-            <a:off x="285172" y="4842706"/>
-            <a:ext cx="453971" cy="246221"/>
-          </a:xfrm>
-          <a:prstGeom prst="rect">
-            <a:avLst/>
-          </a:prstGeom>
-          <a:noFill/>
-        </p:spPr>
-        <p:txBody>
-          <a:bodyPr wrap="none" rtlCol="0">
-            <a:spAutoFit/>
-          </a:bodyPr>
-          <a:lstStyle/>
-          <a:p>
-            <a:pPr algn="ctr"/>
-            <a:r>
-              <a:rPr lang="en-US" sz="1000" dirty="0">
-                <a:latin typeface="Helvetica Neue Light" panose="02000403000000020004" pitchFamily="2" charset="0"/>
-                <a:ea typeface="Helvetica Neue Light" panose="02000403000000020004" pitchFamily="2" charset="0"/>
-                <a:cs typeface="Helvetica Neue" panose="02000503000000020004" pitchFamily="2" charset="0"/>
-              </a:rPr>
-              <a:t>RF2*</a:t>
-            </a:r>
-            <a:endParaRPr lang="en-US" sz="1000" dirty="0">
               <a:latin typeface="Helvetica Neue Light" panose="02000403000000020004" pitchFamily="2" charset="0"/>
               <a:ea typeface="Helvetica Neue Light" panose="02000403000000020004" pitchFamily="2" charset="0"/>
             </a:endParaRPr>
@@ -13194,50 +12626,6 @@
           </a:fontRef>
         </p:style>
       </p:cxnSp>
-      <p:sp>
-        <p:nvSpPr>
-          <p:cNvPr id="2391" name="ZoneTexte 2390">
-            <a:extLst>
-              <a:ext uri="{FF2B5EF4-FFF2-40B4-BE49-F238E27FC236}">
-                <a16:creationId xmlns:a16="http://schemas.microsoft.com/office/drawing/2014/main" id="{77F2736C-755F-FE99-16A0-63FB46F883D7}"/>
-              </a:ext>
-            </a:extLst>
-          </p:cNvPr>
-          <p:cNvSpPr txBox="1"/>
-          <p:nvPr/>
-        </p:nvSpPr>
-        <p:spPr>
-          <a:xfrm rot="16200000">
-            <a:off x="4041" y="1290230"/>
-            <a:ext cx="482824" cy="261610"/>
-          </a:xfrm>
-          <a:prstGeom prst="rect">
-            <a:avLst/>
-          </a:prstGeom>
-          <a:noFill/>
-        </p:spPr>
-        <p:txBody>
-          <a:bodyPr wrap="none" rtlCol="0">
-            <a:spAutoFit/>
-          </a:bodyPr>
-          <a:lstStyle/>
-          <a:p>
-            <a:pPr algn="ctr"/>
-            <a:r>
-              <a:rPr lang="en-US" sz="1100" dirty="0">
-                <a:latin typeface="Helvetica Neue Light" panose="02000403000000020004" pitchFamily="2" charset="0"/>
-                <a:ea typeface="Helvetica Neue Light" panose="02000403000000020004" pitchFamily="2" charset="0"/>
-                <a:cs typeface="Helvetica Neue" panose="02000503000000020004" pitchFamily="2" charset="0"/>
-              </a:rPr>
-              <a:t>state</a:t>
-            </a:r>
-            <a:endParaRPr lang="en-US" sz="1100" dirty="0">
-              <a:latin typeface="Helvetica Neue Light" panose="02000403000000020004" pitchFamily="2" charset="0"/>
-              <a:ea typeface="Helvetica Neue Light" panose="02000403000000020004" pitchFamily="2" charset="0"/>
-            </a:endParaRPr>
-          </a:p>
-        </p:txBody>
-      </p:sp>
       <p:grpSp>
         <p:nvGrpSpPr>
           <p:cNvPr id="2392" name="Groupe 2391">
@@ -22326,8 +21714,8 @@
         </p:nvSpPr>
         <p:spPr>
           <a:xfrm>
-            <a:off x="701858" y="3129936"/>
-            <a:ext cx="263214" cy="261610"/>
+            <a:off x="549574" y="3129936"/>
+            <a:ext cx="567784" cy="261610"/>
           </a:xfrm>
           <a:prstGeom prst="rect">
             <a:avLst/>
@@ -22347,7 +21735,7 @@
                 <a:ea typeface="Helvetica Neue Light" panose="02000403000000020004" pitchFamily="2" charset="0"/>
                 <a:cs typeface="Helvetica Neue" panose="02000503000000020004" pitchFamily="2" charset="0"/>
               </a:rPr>
-              <a:t>1</a:t>
+              <a:t>1 right</a:t>
             </a:r>
             <a:endParaRPr lang="en-US" sz="1100" dirty="0">
               <a:latin typeface="Helvetica Neue Light" panose="02000403000000020004" pitchFamily="2" charset="0"/>
@@ -22370,8 +21758,8 @@
         </p:nvSpPr>
         <p:spPr>
           <a:xfrm>
-            <a:off x="1475779" y="3129936"/>
-            <a:ext cx="263214" cy="261610"/>
+            <a:off x="1355555" y="3129936"/>
+            <a:ext cx="503664" cy="261610"/>
           </a:xfrm>
           <a:prstGeom prst="rect">
             <a:avLst/>
@@ -22391,7 +21779,7 @@
                 <a:ea typeface="Helvetica Neue Light" panose="02000403000000020004" pitchFamily="2" charset="0"/>
                 <a:cs typeface="Helvetica Neue" panose="02000503000000020004" pitchFamily="2" charset="0"/>
               </a:rPr>
-              <a:t>2</a:t>
+              <a:t>2 top</a:t>
             </a:r>
             <a:endParaRPr lang="en-US" sz="1100" dirty="0">
               <a:latin typeface="Helvetica Neue Light" panose="02000403000000020004" pitchFamily="2" charset="0"/>
@@ -22414,8 +21802,8 @@
         </p:nvSpPr>
         <p:spPr>
           <a:xfrm>
-            <a:off x="2207631" y="3129936"/>
-            <a:ext cx="263214" cy="261610"/>
+            <a:off x="2099429" y="3129936"/>
+            <a:ext cx="479618" cy="261610"/>
           </a:xfrm>
           <a:prstGeom prst="rect">
             <a:avLst/>
@@ -22435,7 +21823,7 @@
                 <a:ea typeface="Helvetica Neue Light" panose="02000403000000020004" pitchFamily="2" charset="0"/>
                 <a:cs typeface="Helvetica Neue" panose="02000503000000020004" pitchFamily="2" charset="0"/>
               </a:rPr>
-              <a:t>1</a:t>
+              <a:t>1 left</a:t>
             </a:r>
             <a:endParaRPr lang="en-US" sz="1100" dirty="0">
               <a:latin typeface="Helvetica Neue Light" panose="02000403000000020004" pitchFamily="2" charset="0"/>
@@ -22458,8 +21846,8 @@
         </p:nvSpPr>
         <p:spPr>
           <a:xfrm>
-            <a:off x="3001797" y="3129936"/>
-            <a:ext cx="263214" cy="261610"/>
+            <a:off x="2762951" y="3129936"/>
+            <a:ext cx="740908" cy="261610"/>
           </a:xfrm>
           <a:prstGeom prst="rect">
             <a:avLst/>
@@ -22479,7 +21867,7 @@
                 <a:ea typeface="Helvetica Neue Light" panose="02000403000000020004" pitchFamily="2" charset="0"/>
                 <a:cs typeface="Helvetica Neue" panose="02000503000000020004" pitchFamily="2" charset="0"/>
               </a:rPr>
-              <a:t>2</a:t>
+              <a:t>2 bottom</a:t>
             </a:r>
             <a:endParaRPr lang="en-US" sz="1100" dirty="0">
               <a:latin typeface="Helvetica Neue Light" panose="02000403000000020004" pitchFamily="2" charset="0"/>
@@ -22502,8 +21890,8 @@
         </p:nvSpPr>
         <p:spPr>
           <a:xfrm>
-            <a:off x="3751730" y="3129936"/>
-            <a:ext cx="263214" cy="261610"/>
+            <a:off x="3599446" y="3129936"/>
+            <a:ext cx="567784" cy="261610"/>
           </a:xfrm>
           <a:prstGeom prst="rect">
             <a:avLst/>
@@ -22523,7 +21911,7 @@
                 <a:ea typeface="Helvetica Neue Light" panose="02000403000000020004" pitchFamily="2" charset="0"/>
                 <a:cs typeface="Helvetica Neue" panose="02000503000000020004" pitchFamily="2" charset="0"/>
               </a:rPr>
-              <a:t>1</a:t>
+              <a:t>1 right</a:t>
             </a:r>
             <a:endParaRPr lang="en-US" sz="1100" dirty="0">
               <a:latin typeface="Helvetica Neue Light" panose="02000403000000020004" pitchFamily="2" charset="0"/>
@@ -22546,8 +21934,8 @@
         </p:nvSpPr>
         <p:spPr>
           <a:xfrm>
-            <a:off x="4525651" y="3129936"/>
-            <a:ext cx="263214" cy="261610"/>
+            <a:off x="4405427" y="3129936"/>
+            <a:ext cx="503664" cy="261610"/>
           </a:xfrm>
           <a:prstGeom prst="rect">
             <a:avLst/>
@@ -22567,7 +21955,7 @@
                 <a:ea typeface="Helvetica Neue Light" panose="02000403000000020004" pitchFamily="2" charset="0"/>
                 <a:cs typeface="Helvetica Neue" panose="02000503000000020004" pitchFamily="2" charset="0"/>
               </a:rPr>
-              <a:t>2</a:t>
+              <a:t>2 top</a:t>
             </a:r>
             <a:endParaRPr lang="en-US" sz="1100" dirty="0">
               <a:latin typeface="Helvetica Neue Light" panose="02000403000000020004" pitchFamily="2" charset="0"/>
@@ -22590,8 +21978,8 @@
         </p:nvSpPr>
         <p:spPr>
           <a:xfrm>
-            <a:off x="5257503" y="3129936"/>
-            <a:ext cx="263214" cy="261610"/>
+            <a:off x="5149301" y="3129936"/>
+            <a:ext cx="479618" cy="261610"/>
           </a:xfrm>
           <a:prstGeom prst="rect">
             <a:avLst/>
@@ -22611,7 +21999,7 @@
                 <a:ea typeface="Helvetica Neue Light" panose="02000403000000020004" pitchFamily="2" charset="0"/>
                 <a:cs typeface="Helvetica Neue" panose="02000503000000020004" pitchFamily="2" charset="0"/>
               </a:rPr>
-              <a:t>1</a:t>
+              <a:t>1 left</a:t>
             </a:r>
             <a:endParaRPr lang="en-US" sz="1100" dirty="0">
               <a:latin typeface="Helvetica Neue Light" panose="02000403000000020004" pitchFamily="2" charset="0"/>
@@ -22634,8 +22022,8 @@
         </p:nvSpPr>
         <p:spPr>
           <a:xfrm>
-            <a:off x="6051669" y="3129936"/>
-            <a:ext cx="263214" cy="261610"/>
+            <a:off x="5812823" y="3129936"/>
+            <a:ext cx="740908" cy="261610"/>
           </a:xfrm>
           <a:prstGeom prst="rect">
             <a:avLst/>
@@ -22655,7 +22043,7 @@
                 <a:ea typeface="Helvetica Neue Light" panose="02000403000000020004" pitchFamily="2" charset="0"/>
                 <a:cs typeface="Helvetica Neue" panose="02000503000000020004" pitchFamily="2" charset="0"/>
               </a:rPr>
-              <a:t>2</a:t>
+              <a:t>2 bottom</a:t>
             </a:r>
             <a:endParaRPr lang="en-US" sz="1100" dirty="0">
               <a:latin typeface="Helvetica Neue Light" panose="02000403000000020004" pitchFamily="2" charset="0"/>
@@ -23382,8 +22770,8 @@
         </p:nvSpPr>
         <p:spPr>
           <a:xfrm>
-            <a:off x="3389407" y="5260755"/>
-            <a:ext cx="620684" cy="261610"/>
+            <a:off x="3399827" y="5260755"/>
+            <a:ext cx="599844" cy="261610"/>
           </a:xfrm>
           <a:prstGeom prst="rect">
             <a:avLst/>
@@ -23403,7 +22791,7 @@
                 <a:ea typeface="Helvetica Neue Light" panose="02000403000000020004" pitchFamily="2" charset="0"/>
                 <a:cs typeface="Helvetica Neue" panose="02000503000000020004" pitchFamily="2" charset="0"/>
               </a:rPr>
-              <a:t>State #</a:t>
+              <a:t>state #</a:t>
             </a:r>
             <a:endParaRPr lang="en-US" sz="1100" dirty="0">
               <a:latin typeface="Helvetica Neue Light" panose="02000403000000020004" pitchFamily="2" charset="0"/>
@@ -23498,6 +22886,406 @@
           </a:p>
         </p:txBody>
       </p:sp>
+      <p:sp>
+        <p:nvSpPr>
+          <p:cNvPr id="4" name="ZoneTexte 3">
+            <a:extLst>
+              <a:ext uri="{FF2B5EF4-FFF2-40B4-BE49-F238E27FC236}">
+                <a16:creationId xmlns:a16="http://schemas.microsoft.com/office/drawing/2014/main" id="{3D588851-02F5-B863-2A02-754009E77E4E}"/>
+              </a:ext>
+            </a:extLst>
+          </p:cNvPr>
+          <p:cNvSpPr txBox="1"/>
+          <p:nvPr/>
+        </p:nvSpPr>
+        <p:spPr>
+          <a:xfrm rot="16200000">
+            <a:off x="9914" y="1732310"/>
+            <a:ext cx="498856" cy="261610"/>
+          </a:xfrm>
+          <a:prstGeom prst="rect">
+            <a:avLst/>
+          </a:prstGeom>
+          <a:noFill/>
+        </p:spPr>
+        <p:txBody>
+          <a:bodyPr wrap="none" rtlCol="0">
+            <a:spAutoFit/>
+          </a:bodyPr>
+          <a:lstStyle/>
+          <a:p>
+            <a:pPr algn="ctr"/>
+            <a:r>
+              <a:rPr lang="en-US" sz="1100" dirty="0">
+                <a:latin typeface="Helvetica Neue" panose="02000503000000020004" pitchFamily="2" charset="0"/>
+                <a:ea typeface="Helvetica Neue" panose="02000503000000020004" pitchFamily="2" charset="0"/>
+                <a:cs typeface="Helvetica Neue" panose="02000503000000020004" pitchFamily="2" charset="0"/>
+              </a:rPr>
+              <a:t>2012</a:t>
+            </a:r>
+          </a:p>
+        </p:txBody>
+      </p:sp>
+      <p:sp>
+        <p:nvSpPr>
+          <p:cNvPr id="5" name="ZoneTexte 4">
+            <a:extLst>
+              <a:ext uri="{FF2B5EF4-FFF2-40B4-BE49-F238E27FC236}">
+                <a16:creationId xmlns:a16="http://schemas.microsoft.com/office/drawing/2014/main" id="{5F2322A9-1BA1-47D6-2DBD-4CBD2C03E8E8}"/>
+              </a:ext>
+            </a:extLst>
+          </p:cNvPr>
+          <p:cNvSpPr txBox="1"/>
+          <p:nvPr/>
+        </p:nvSpPr>
+        <p:spPr>
+          <a:xfrm rot="16200000">
+            <a:off x="9914" y="2507995"/>
+            <a:ext cx="498856" cy="261610"/>
+          </a:xfrm>
+          <a:prstGeom prst="rect">
+            <a:avLst/>
+          </a:prstGeom>
+          <a:noFill/>
+        </p:spPr>
+        <p:txBody>
+          <a:bodyPr wrap="none" rtlCol="0">
+            <a:spAutoFit/>
+          </a:bodyPr>
+          <a:lstStyle/>
+          <a:p>
+            <a:pPr algn="ctr"/>
+            <a:r>
+              <a:rPr lang="en-US" sz="1100" dirty="0">
+                <a:latin typeface="Helvetica Neue" panose="02000503000000020004" pitchFamily="2" charset="0"/>
+                <a:ea typeface="Helvetica Neue" panose="02000503000000020004" pitchFamily="2" charset="0"/>
+                <a:cs typeface="Helvetica Neue" panose="02000503000000020004" pitchFamily="2" charset="0"/>
+              </a:rPr>
+              <a:t>2016</a:t>
+            </a:r>
+          </a:p>
+        </p:txBody>
+      </p:sp>
+      <p:sp>
+        <p:nvSpPr>
+          <p:cNvPr id="6" name="ZoneTexte 5">
+            <a:extLst>
+              <a:ext uri="{FF2B5EF4-FFF2-40B4-BE49-F238E27FC236}">
+                <a16:creationId xmlns:a16="http://schemas.microsoft.com/office/drawing/2014/main" id="{0AFEDA8C-A7BD-C6A5-46BB-5FCAAE254B21}"/>
+              </a:ext>
+            </a:extLst>
+          </p:cNvPr>
+          <p:cNvSpPr txBox="1"/>
+          <p:nvPr/>
+        </p:nvSpPr>
+        <p:spPr>
+          <a:xfrm rot="16200000">
+            <a:off x="9914" y="4710436"/>
+            <a:ext cx="498856" cy="261610"/>
+          </a:xfrm>
+          <a:prstGeom prst="rect">
+            <a:avLst/>
+          </a:prstGeom>
+          <a:noFill/>
+        </p:spPr>
+        <p:txBody>
+          <a:bodyPr wrap="none" rtlCol="0">
+            <a:spAutoFit/>
+          </a:bodyPr>
+          <a:lstStyle/>
+          <a:p>
+            <a:pPr algn="ctr"/>
+            <a:r>
+              <a:rPr lang="en-US" sz="1100" dirty="0">
+                <a:latin typeface="Helvetica Neue" panose="02000503000000020004" pitchFamily="2" charset="0"/>
+                <a:ea typeface="Helvetica Neue" panose="02000503000000020004" pitchFamily="2" charset="0"/>
+                <a:cs typeface="Helvetica Neue" panose="02000503000000020004" pitchFamily="2" charset="0"/>
+              </a:rPr>
+              <a:t>2016</a:t>
+            </a:r>
+          </a:p>
+        </p:txBody>
+      </p:sp>
+      <p:sp>
+        <p:nvSpPr>
+          <p:cNvPr id="7" name="ZoneTexte 6">
+            <a:extLst>
+              <a:ext uri="{FF2B5EF4-FFF2-40B4-BE49-F238E27FC236}">
+                <a16:creationId xmlns:a16="http://schemas.microsoft.com/office/drawing/2014/main" id="{A8B464CB-6EBB-B056-9D76-0CD2833C9933}"/>
+              </a:ext>
+            </a:extLst>
+          </p:cNvPr>
+          <p:cNvSpPr txBox="1"/>
+          <p:nvPr/>
+        </p:nvSpPr>
+        <p:spPr>
+          <a:xfrm rot="16200000">
+            <a:off x="9914" y="3888428"/>
+            <a:ext cx="498856" cy="261610"/>
+          </a:xfrm>
+          <a:prstGeom prst="rect">
+            <a:avLst/>
+          </a:prstGeom>
+          <a:noFill/>
+        </p:spPr>
+        <p:txBody>
+          <a:bodyPr wrap="none" rtlCol="0">
+            <a:spAutoFit/>
+          </a:bodyPr>
+          <a:lstStyle/>
+          <a:p>
+            <a:pPr algn="ctr"/>
+            <a:r>
+              <a:rPr lang="en-US" sz="1100" dirty="0">
+                <a:latin typeface="Helvetica Neue" panose="02000503000000020004" pitchFamily="2" charset="0"/>
+                <a:ea typeface="Helvetica Neue" panose="02000503000000020004" pitchFamily="2" charset="0"/>
+                <a:cs typeface="Helvetica Neue" panose="02000503000000020004" pitchFamily="2" charset="0"/>
+              </a:rPr>
+              <a:t>2012</a:t>
+            </a:r>
+          </a:p>
+        </p:txBody>
+      </p:sp>
+      <p:pic>
+        <p:nvPicPr>
+          <p:cNvPr id="20" name="Image 19">
+            <a:extLst>
+              <a:ext uri="{FF2B5EF4-FFF2-40B4-BE49-F238E27FC236}">
+                <a16:creationId xmlns:a16="http://schemas.microsoft.com/office/drawing/2014/main" id="{F09034C0-286B-E6D6-D236-E6078E844535}"/>
+              </a:ext>
+            </a:extLst>
+          </p:cNvPr>
+          <p:cNvPicPr>
+            <a:picLocks noChangeAspect="1"/>
+          </p:cNvPicPr>
+          <p:nvPr/>
+        </p:nvPicPr>
+        <p:blipFill>
+          <a:blip r:embed="rId10"/>
+          <a:stretch>
+            <a:fillRect/>
+          </a:stretch>
+        </p:blipFill>
+        <p:spPr>
+          <a:xfrm rot="16200000">
+            <a:off x="429757" y="1607741"/>
+            <a:ext cx="203200" cy="127000"/>
+          </a:xfrm>
+          <a:prstGeom prst="rect">
+            <a:avLst/>
+          </a:prstGeom>
+        </p:spPr>
+      </p:pic>
+      <p:pic>
+        <p:nvPicPr>
+          <p:cNvPr id="22" name="Image 21">
+            <a:extLst>
+              <a:ext uri="{FF2B5EF4-FFF2-40B4-BE49-F238E27FC236}">
+                <a16:creationId xmlns:a16="http://schemas.microsoft.com/office/drawing/2014/main" id="{2DE6A5B9-424A-BE11-E3F4-A276A90F8D47}"/>
+              </a:ext>
+            </a:extLst>
+          </p:cNvPr>
+          <p:cNvPicPr>
+            <a:picLocks noChangeAspect="1"/>
+          </p:cNvPicPr>
+          <p:nvPr/>
+        </p:nvPicPr>
+        <p:blipFill>
+          <a:blip r:embed="rId10"/>
+          <a:stretch>
+            <a:fillRect/>
+          </a:stretch>
+        </p:blipFill>
+        <p:spPr>
+          <a:xfrm rot="16200000">
+            <a:off x="429757" y="2389703"/>
+            <a:ext cx="203200" cy="127000"/>
+          </a:xfrm>
+          <a:prstGeom prst="rect">
+            <a:avLst/>
+          </a:prstGeom>
+        </p:spPr>
+      </p:pic>
+      <p:pic>
+        <p:nvPicPr>
+          <p:cNvPr id="23" name="Image 22">
+            <a:extLst>
+              <a:ext uri="{FF2B5EF4-FFF2-40B4-BE49-F238E27FC236}">
+                <a16:creationId xmlns:a16="http://schemas.microsoft.com/office/drawing/2014/main" id="{D5B5D58F-E4D5-955D-28BA-0BDDF8DBA1E4}"/>
+              </a:ext>
+            </a:extLst>
+          </p:cNvPr>
+          <p:cNvPicPr>
+            <a:picLocks noChangeAspect="1"/>
+          </p:cNvPicPr>
+          <p:nvPr/>
+        </p:nvPicPr>
+        <p:blipFill>
+          <a:blip r:embed="rId10"/>
+          <a:stretch>
+            <a:fillRect/>
+          </a:stretch>
+        </p:blipFill>
+        <p:spPr>
+          <a:xfrm rot="16200000">
+            <a:off x="429757" y="3824136"/>
+            <a:ext cx="203200" cy="127000"/>
+          </a:xfrm>
+          <a:prstGeom prst="rect">
+            <a:avLst/>
+          </a:prstGeom>
+        </p:spPr>
+      </p:pic>
+      <p:pic>
+        <p:nvPicPr>
+          <p:cNvPr id="24" name="Image 23">
+            <a:extLst>
+              <a:ext uri="{FF2B5EF4-FFF2-40B4-BE49-F238E27FC236}">
+                <a16:creationId xmlns:a16="http://schemas.microsoft.com/office/drawing/2014/main" id="{EF0A6B83-79F7-E8C5-99ED-E0634B2EFAF2}"/>
+              </a:ext>
+            </a:extLst>
+          </p:cNvPr>
+          <p:cNvPicPr>
+            <a:picLocks noChangeAspect="1"/>
+          </p:cNvPicPr>
+          <p:nvPr/>
+        </p:nvPicPr>
+        <p:blipFill>
+          <a:blip r:embed="rId10"/>
+          <a:stretch>
+            <a:fillRect/>
+          </a:stretch>
+        </p:blipFill>
+        <p:spPr>
+          <a:xfrm rot="16200000">
+            <a:off x="429757" y="4609505"/>
+            <a:ext cx="203200" cy="127000"/>
+          </a:xfrm>
+          <a:prstGeom prst="rect">
+            <a:avLst/>
+          </a:prstGeom>
+        </p:spPr>
+      </p:pic>
+      <p:pic>
+        <p:nvPicPr>
+          <p:cNvPr id="25" name="Image 24">
+            <a:extLst>
+              <a:ext uri="{FF2B5EF4-FFF2-40B4-BE49-F238E27FC236}">
+                <a16:creationId xmlns:a16="http://schemas.microsoft.com/office/drawing/2014/main" id="{362A4057-C6B7-A513-5AB4-FE71F35B2FFA}"/>
+              </a:ext>
+            </a:extLst>
+          </p:cNvPr>
+          <p:cNvPicPr>
+            <a:picLocks noChangeAspect="1"/>
+          </p:cNvPicPr>
+          <p:nvPr/>
+        </p:nvPicPr>
+        <p:blipFill>
+          <a:blip r:embed="rId11"/>
+          <a:stretch>
+            <a:fillRect/>
+          </a:stretch>
+        </p:blipFill>
+        <p:spPr>
+          <a:xfrm rot="16200000">
+            <a:off x="429757" y="4917465"/>
+            <a:ext cx="203200" cy="127000"/>
+          </a:xfrm>
+          <a:prstGeom prst="rect">
+            <a:avLst/>
+          </a:prstGeom>
+        </p:spPr>
+      </p:pic>
+      <p:pic>
+        <p:nvPicPr>
+          <p:cNvPr id="26" name="Image 25">
+            <a:extLst>
+              <a:ext uri="{FF2B5EF4-FFF2-40B4-BE49-F238E27FC236}">
+                <a16:creationId xmlns:a16="http://schemas.microsoft.com/office/drawing/2014/main" id="{3CECB436-442D-077C-838E-EB0346849C73}"/>
+              </a:ext>
+            </a:extLst>
+          </p:cNvPr>
+          <p:cNvPicPr>
+            <a:picLocks noChangeAspect="1"/>
+          </p:cNvPicPr>
+          <p:nvPr/>
+        </p:nvPicPr>
+        <p:blipFill>
+          <a:blip r:embed="rId11"/>
+          <a:stretch>
+            <a:fillRect/>
+          </a:stretch>
+        </p:blipFill>
+        <p:spPr>
+          <a:xfrm rot="16200000">
+            <a:off x="429757" y="4141780"/>
+            <a:ext cx="203200" cy="127000"/>
+          </a:xfrm>
+          <a:prstGeom prst="rect">
+            <a:avLst/>
+          </a:prstGeom>
+        </p:spPr>
+      </p:pic>
+      <p:pic>
+        <p:nvPicPr>
+          <p:cNvPr id="27" name="Image 26">
+            <a:extLst>
+              <a:ext uri="{FF2B5EF4-FFF2-40B4-BE49-F238E27FC236}">
+                <a16:creationId xmlns:a16="http://schemas.microsoft.com/office/drawing/2014/main" id="{3F35C01F-D3C2-A15E-952E-E2FF803388A2}"/>
+              </a:ext>
+            </a:extLst>
+          </p:cNvPr>
+          <p:cNvPicPr>
+            <a:picLocks noChangeAspect="1"/>
+          </p:cNvPicPr>
+          <p:nvPr/>
+        </p:nvPicPr>
+        <p:blipFill>
+          <a:blip r:embed="rId11"/>
+          <a:stretch>
+            <a:fillRect/>
+          </a:stretch>
+        </p:blipFill>
+        <p:spPr>
+          <a:xfrm rot="16200000">
+            <a:off x="429757" y="2709210"/>
+            <a:ext cx="203200" cy="127000"/>
+          </a:xfrm>
+          <a:prstGeom prst="rect">
+            <a:avLst/>
+          </a:prstGeom>
+        </p:spPr>
+      </p:pic>
+      <p:pic>
+        <p:nvPicPr>
+          <p:cNvPr id="28" name="Image 27">
+            <a:extLst>
+              <a:ext uri="{FF2B5EF4-FFF2-40B4-BE49-F238E27FC236}">
+                <a16:creationId xmlns:a16="http://schemas.microsoft.com/office/drawing/2014/main" id="{2FB18E23-14CA-7599-5A1D-F274D0D58425}"/>
+              </a:ext>
+            </a:extLst>
+          </p:cNvPr>
+          <p:cNvPicPr>
+            <a:picLocks noChangeAspect="1"/>
+          </p:cNvPicPr>
+          <p:nvPr/>
+        </p:nvPicPr>
+        <p:blipFill>
+          <a:blip r:embed="rId11"/>
+          <a:stretch>
+            <a:fillRect/>
+          </a:stretch>
+        </p:blipFill>
+        <p:spPr>
+          <a:xfrm rot="16200000">
+            <a:off x="429757" y="1926576"/>
+            <a:ext cx="203200" cy="127000"/>
+          </a:xfrm>
+          <a:prstGeom prst="rect">
+            <a:avLst/>
+          </a:prstGeom>
+        </p:spPr>
+      </p:pic>
     </p:spTree>
     <p:extLst>
       <p:ext uri="{BB962C8B-B14F-4D97-AF65-F5344CB8AC3E}">
